--- a/ppt 16-9/1216.从岁首到年终.pptx
+++ b/ppt 16-9/1216.从岁首到年终.pptx
@@ -129,7 +129,7 @@
           <p:cNvPr id="2" name="标题 1">
             <a:extLst>
               <a:ext uri="{FF2B5EF4-FFF2-40B4-BE49-F238E27FC236}">
-                <a16:creationId xmlns:a16="http://schemas.microsoft.com/office/drawing/2014/main" id="{8BF166E8-4BDC-9884-F43D-4676C11F56D7}"/>
+                <a16:creationId xmlns:a16="http://schemas.microsoft.com/office/drawing/2014/main" id="{0E4AF1F1-9141-6BEA-2967-83A5DF83841D}"/>
               </a:ext>
             </a:extLst>
           </p:cNvPr>
@@ -166,7 +166,7 @@
           <p:cNvPr id="3" name="副标题 2">
             <a:extLst>
               <a:ext uri="{FF2B5EF4-FFF2-40B4-BE49-F238E27FC236}">
-                <a16:creationId xmlns:a16="http://schemas.microsoft.com/office/drawing/2014/main" id="{1D04F3DC-A300-7FC5-6935-DB6A950F1F1A}"/>
+                <a16:creationId xmlns:a16="http://schemas.microsoft.com/office/drawing/2014/main" id="{B8A2FCAE-6BDB-F6AE-7AAF-19B855580287}"/>
               </a:ext>
             </a:extLst>
           </p:cNvPr>
@@ -236,7 +236,7 @@
           <p:cNvPr id="4" name="日期占位符 3">
             <a:extLst>
               <a:ext uri="{FF2B5EF4-FFF2-40B4-BE49-F238E27FC236}">
-                <a16:creationId xmlns:a16="http://schemas.microsoft.com/office/drawing/2014/main" id="{33735478-B94C-BE87-5307-386D56FD6E06}"/>
+                <a16:creationId xmlns:a16="http://schemas.microsoft.com/office/drawing/2014/main" id="{A9200D41-BCB3-AE5A-6000-888FEC87EB8A}"/>
               </a:ext>
             </a:extLst>
           </p:cNvPr>
@@ -252,7 +252,7 @@
           <a:bodyPr/>
           <a:lstStyle/>
           <a:p>
-            <a:fld id="{8C72FAFD-37D2-4016-A5EC-3A70CE7025D1}" type="datetimeFigureOut">
+            <a:fld id="{1E17A120-4EBC-4B98-872C-974297016C5D}" type="datetimeFigureOut">
               <a:rPr lang="zh-CN" altLang="en-US" smtClean="0"/>
               <a:t>2024/3/10</a:t>
             </a:fld>
@@ -265,7 +265,7 @@
           <p:cNvPr id="5" name="页脚占位符 4">
             <a:extLst>
               <a:ext uri="{FF2B5EF4-FFF2-40B4-BE49-F238E27FC236}">
-                <a16:creationId xmlns:a16="http://schemas.microsoft.com/office/drawing/2014/main" id="{BEA11DA0-5968-7680-03C8-06883242D936}"/>
+                <a16:creationId xmlns:a16="http://schemas.microsoft.com/office/drawing/2014/main" id="{DDEE56EF-DC55-95ED-EB58-9E331FE96DBA}"/>
               </a:ext>
             </a:extLst>
           </p:cNvPr>
@@ -290,7 +290,7 @@
           <p:cNvPr id="6" name="灯片编号占位符 5">
             <a:extLst>
               <a:ext uri="{FF2B5EF4-FFF2-40B4-BE49-F238E27FC236}">
-                <a16:creationId xmlns:a16="http://schemas.microsoft.com/office/drawing/2014/main" id="{6DB4F77C-FD53-5005-D590-B1A99F3208A7}"/>
+                <a16:creationId xmlns:a16="http://schemas.microsoft.com/office/drawing/2014/main" id="{04645F71-7BCA-115E-0029-479B8DC613E8}"/>
               </a:ext>
             </a:extLst>
           </p:cNvPr>
@@ -306,7 +306,7 @@
           <a:bodyPr/>
           <a:lstStyle/>
           <a:p>
-            <a:fld id="{CA84A52D-1561-47E6-B507-2813538970FC}" type="slidenum">
+            <a:fld id="{250F5A91-18D1-4546-B27A-A46741E3FAA7}" type="slidenum">
               <a:rPr lang="zh-CN" altLang="en-US" smtClean="0"/>
               <a:t>‹#›</a:t>
             </a:fld>
@@ -317,7 +317,7 @@
     </p:spTree>
     <p:extLst>
       <p:ext uri="{BB962C8B-B14F-4D97-AF65-F5344CB8AC3E}">
-        <p14:creationId xmlns:p14="http://schemas.microsoft.com/office/powerpoint/2010/main" val="2102010901"/>
+        <p14:creationId xmlns:p14="http://schemas.microsoft.com/office/powerpoint/2010/main" val="4149019897"/>
       </p:ext>
     </p:extLst>
   </p:cSld>
@@ -349,7 +349,7 @@
           <p:cNvPr id="2" name="标题 1">
             <a:extLst>
               <a:ext uri="{FF2B5EF4-FFF2-40B4-BE49-F238E27FC236}">
-                <a16:creationId xmlns:a16="http://schemas.microsoft.com/office/drawing/2014/main" id="{91CCC650-954F-75E2-E7D4-8514BD76CBCD}"/>
+                <a16:creationId xmlns:a16="http://schemas.microsoft.com/office/drawing/2014/main" id="{87D296E2-A8B9-9328-C366-EFB5E8FCAFDC}"/>
               </a:ext>
             </a:extLst>
           </p:cNvPr>
@@ -377,7 +377,7 @@
           <p:cNvPr id="3" name="竖排文字占位符 2">
             <a:extLst>
               <a:ext uri="{FF2B5EF4-FFF2-40B4-BE49-F238E27FC236}">
-                <a16:creationId xmlns:a16="http://schemas.microsoft.com/office/drawing/2014/main" id="{4FB16465-3BE7-9BDD-120C-A434FBD90301}"/>
+                <a16:creationId xmlns:a16="http://schemas.microsoft.com/office/drawing/2014/main" id="{E1505600-F690-37B8-955B-1EE9FA962B50}"/>
               </a:ext>
             </a:extLst>
           </p:cNvPr>
@@ -434,7 +434,7 @@
           <p:cNvPr id="4" name="日期占位符 3">
             <a:extLst>
               <a:ext uri="{FF2B5EF4-FFF2-40B4-BE49-F238E27FC236}">
-                <a16:creationId xmlns:a16="http://schemas.microsoft.com/office/drawing/2014/main" id="{8D601333-0C53-6FB1-3B5A-09C6F3E0E301}"/>
+                <a16:creationId xmlns:a16="http://schemas.microsoft.com/office/drawing/2014/main" id="{A0217795-4378-E38D-C202-FAA6721D36B4}"/>
               </a:ext>
             </a:extLst>
           </p:cNvPr>
@@ -450,7 +450,7 @@
           <a:bodyPr/>
           <a:lstStyle/>
           <a:p>
-            <a:fld id="{8C72FAFD-37D2-4016-A5EC-3A70CE7025D1}" type="datetimeFigureOut">
+            <a:fld id="{1E17A120-4EBC-4B98-872C-974297016C5D}" type="datetimeFigureOut">
               <a:rPr lang="zh-CN" altLang="en-US" smtClean="0"/>
               <a:t>2024/3/10</a:t>
             </a:fld>
@@ -463,7 +463,7 @@
           <p:cNvPr id="5" name="页脚占位符 4">
             <a:extLst>
               <a:ext uri="{FF2B5EF4-FFF2-40B4-BE49-F238E27FC236}">
-                <a16:creationId xmlns:a16="http://schemas.microsoft.com/office/drawing/2014/main" id="{DA3B2744-B94D-6907-6288-B88BA1263CC4}"/>
+                <a16:creationId xmlns:a16="http://schemas.microsoft.com/office/drawing/2014/main" id="{1E571678-3E69-3109-9122-A7D31D4FF812}"/>
               </a:ext>
             </a:extLst>
           </p:cNvPr>
@@ -488,7 +488,7 @@
           <p:cNvPr id="6" name="灯片编号占位符 5">
             <a:extLst>
               <a:ext uri="{FF2B5EF4-FFF2-40B4-BE49-F238E27FC236}">
-                <a16:creationId xmlns:a16="http://schemas.microsoft.com/office/drawing/2014/main" id="{5874D5D4-F485-48ED-7BD4-86484536A35C}"/>
+                <a16:creationId xmlns:a16="http://schemas.microsoft.com/office/drawing/2014/main" id="{C3F4995D-B90F-F50B-16C9-DE6AC6BE9074}"/>
               </a:ext>
             </a:extLst>
           </p:cNvPr>
@@ -504,7 +504,7 @@
           <a:bodyPr/>
           <a:lstStyle/>
           <a:p>
-            <a:fld id="{CA84A52D-1561-47E6-B507-2813538970FC}" type="slidenum">
+            <a:fld id="{250F5A91-18D1-4546-B27A-A46741E3FAA7}" type="slidenum">
               <a:rPr lang="zh-CN" altLang="en-US" smtClean="0"/>
               <a:t>‹#›</a:t>
             </a:fld>
@@ -515,7 +515,7 @@
     </p:spTree>
     <p:extLst>
       <p:ext uri="{BB962C8B-B14F-4D97-AF65-F5344CB8AC3E}">
-        <p14:creationId xmlns:p14="http://schemas.microsoft.com/office/powerpoint/2010/main" val="449314266"/>
+        <p14:creationId xmlns:p14="http://schemas.microsoft.com/office/powerpoint/2010/main" val="4106855371"/>
       </p:ext>
     </p:extLst>
   </p:cSld>
@@ -547,7 +547,7 @@
           <p:cNvPr id="2" name="竖排标题 1">
             <a:extLst>
               <a:ext uri="{FF2B5EF4-FFF2-40B4-BE49-F238E27FC236}">
-                <a16:creationId xmlns:a16="http://schemas.microsoft.com/office/drawing/2014/main" id="{69D2EA75-AC9A-C371-E53A-3D529C3268D9}"/>
+                <a16:creationId xmlns:a16="http://schemas.microsoft.com/office/drawing/2014/main" id="{245FFFEF-7714-8395-3E66-44B14676E709}"/>
               </a:ext>
             </a:extLst>
           </p:cNvPr>
@@ -580,7 +580,7 @@
           <p:cNvPr id="3" name="竖排文字占位符 2">
             <a:extLst>
               <a:ext uri="{FF2B5EF4-FFF2-40B4-BE49-F238E27FC236}">
-                <a16:creationId xmlns:a16="http://schemas.microsoft.com/office/drawing/2014/main" id="{39424B31-ACEE-2851-3DF5-4418C76DCDE7}"/>
+                <a16:creationId xmlns:a16="http://schemas.microsoft.com/office/drawing/2014/main" id="{89E88ACD-F53F-54B0-11D4-AB21C6D25E25}"/>
               </a:ext>
             </a:extLst>
           </p:cNvPr>
@@ -642,7 +642,7 @@
           <p:cNvPr id="4" name="日期占位符 3">
             <a:extLst>
               <a:ext uri="{FF2B5EF4-FFF2-40B4-BE49-F238E27FC236}">
-                <a16:creationId xmlns:a16="http://schemas.microsoft.com/office/drawing/2014/main" id="{3B07FC61-C01A-0997-5834-9D631D9AD624}"/>
+                <a16:creationId xmlns:a16="http://schemas.microsoft.com/office/drawing/2014/main" id="{139D43FA-B3A6-589B-3477-2190DB397D69}"/>
               </a:ext>
             </a:extLst>
           </p:cNvPr>
@@ -658,7 +658,7 @@
           <a:bodyPr/>
           <a:lstStyle/>
           <a:p>
-            <a:fld id="{8C72FAFD-37D2-4016-A5EC-3A70CE7025D1}" type="datetimeFigureOut">
+            <a:fld id="{1E17A120-4EBC-4B98-872C-974297016C5D}" type="datetimeFigureOut">
               <a:rPr lang="zh-CN" altLang="en-US" smtClean="0"/>
               <a:t>2024/3/10</a:t>
             </a:fld>
@@ -671,7 +671,7 @@
           <p:cNvPr id="5" name="页脚占位符 4">
             <a:extLst>
               <a:ext uri="{FF2B5EF4-FFF2-40B4-BE49-F238E27FC236}">
-                <a16:creationId xmlns:a16="http://schemas.microsoft.com/office/drawing/2014/main" id="{7C296AA6-895E-7F99-D45C-C0466707BD00}"/>
+                <a16:creationId xmlns:a16="http://schemas.microsoft.com/office/drawing/2014/main" id="{C983661C-BDCE-D711-3BE8-E9B7020738C5}"/>
               </a:ext>
             </a:extLst>
           </p:cNvPr>
@@ -696,7 +696,7 @@
           <p:cNvPr id="6" name="灯片编号占位符 5">
             <a:extLst>
               <a:ext uri="{FF2B5EF4-FFF2-40B4-BE49-F238E27FC236}">
-                <a16:creationId xmlns:a16="http://schemas.microsoft.com/office/drawing/2014/main" id="{E299D88D-7F42-3301-4B1E-E7D1F239B6E6}"/>
+                <a16:creationId xmlns:a16="http://schemas.microsoft.com/office/drawing/2014/main" id="{757EAE5C-7CB7-ED22-BA34-48C28D048F98}"/>
               </a:ext>
             </a:extLst>
           </p:cNvPr>
@@ -712,7 +712,7 @@
           <a:bodyPr/>
           <a:lstStyle/>
           <a:p>
-            <a:fld id="{CA84A52D-1561-47E6-B507-2813538970FC}" type="slidenum">
+            <a:fld id="{250F5A91-18D1-4546-B27A-A46741E3FAA7}" type="slidenum">
               <a:rPr lang="zh-CN" altLang="en-US" smtClean="0"/>
               <a:t>‹#›</a:t>
             </a:fld>
@@ -723,7 +723,7 @@
     </p:spTree>
     <p:extLst>
       <p:ext uri="{BB962C8B-B14F-4D97-AF65-F5344CB8AC3E}">
-        <p14:creationId xmlns:p14="http://schemas.microsoft.com/office/powerpoint/2010/main" val="3512892054"/>
+        <p14:creationId xmlns:p14="http://schemas.microsoft.com/office/powerpoint/2010/main" val="1045229981"/>
       </p:ext>
     </p:extLst>
   </p:cSld>
@@ -755,7 +755,7 @@
           <p:cNvPr id="2" name="标题 1">
             <a:extLst>
               <a:ext uri="{FF2B5EF4-FFF2-40B4-BE49-F238E27FC236}">
-                <a16:creationId xmlns:a16="http://schemas.microsoft.com/office/drawing/2014/main" id="{A6DCB9B6-19F9-C69A-73E0-AECADCA640B3}"/>
+                <a16:creationId xmlns:a16="http://schemas.microsoft.com/office/drawing/2014/main" id="{D6906771-DB99-D764-5762-039640759536}"/>
               </a:ext>
             </a:extLst>
           </p:cNvPr>
@@ -783,7 +783,7 @@
           <p:cNvPr id="3" name="内容占位符 2">
             <a:extLst>
               <a:ext uri="{FF2B5EF4-FFF2-40B4-BE49-F238E27FC236}">
-                <a16:creationId xmlns:a16="http://schemas.microsoft.com/office/drawing/2014/main" id="{D7566D3A-6BDA-103B-B776-F59290D10957}"/>
+                <a16:creationId xmlns:a16="http://schemas.microsoft.com/office/drawing/2014/main" id="{0A8504E3-8A59-BC32-5EDF-9C81041D2043}"/>
               </a:ext>
             </a:extLst>
           </p:cNvPr>
@@ -840,7 +840,7 @@
           <p:cNvPr id="4" name="日期占位符 3">
             <a:extLst>
               <a:ext uri="{FF2B5EF4-FFF2-40B4-BE49-F238E27FC236}">
-                <a16:creationId xmlns:a16="http://schemas.microsoft.com/office/drawing/2014/main" id="{53C5F7AD-B6CB-0C91-0720-BD69C6365328}"/>
+                <a16:creationId xmlns:a16="http://schemas.microsoft.com/office/drawing/2014/main" id="{FE41815F-4E4D-D20F-CA9E-3B5281E527D5}"/>
               </a:ext>
             </a:extLst>
           </p:cNvPr>
@@ -856,7 +856,7 @@
           <a:bodyPr/>
           <a:lstStyle/>
           <a:p>
-            <a:fld id="{8C72FAFD-37D2-4016-A5EC-3A70CE7025D1}" type="datetimeFigureOut">
+            <a:fld id="{1E17A120-4EBC-4B98-872C-974297016C5D}" type="datetimeFigureOut">
               <a:rPr lang="zh-CN" altLang="en-US" smtClean="0"/>
               <a:t>2024/3/10</a:t>
             </a:fld>
@@ -869,7 +869,7 @@
           <p:cNvPr id="5" name="页脚占位符 4">
             <a:extLst>
               <a:ext uri="{FF2B5EF4-FFF2-40B4-BE49-F238E27FC236}">
-                <a16:creationId xmlns:a16="http://schemas.microsoft.com/office/drawing/2014/main" id="{223B612A-9EAD-847C-0AAA-2A7440E105E9}"/>
+                <a16:creationId xmlns:a16="http://schemas.microsoft.com/office/drawing/2014/main" id="{6B7327F8-5B0C-98ED-ED5A-563278804BC4}"/>
               </a:ext>
             </a:extLst>
           </p:cNvPr>
@@ -894,7 +894,7 @@
           <p:cNvPr id="6" name="灯片编号占位符 5">
             <a:extLst>
               <a:ext uri="{FF2B5EF4-FFF2-40B4-BE49-F238E27FC236}">
-                <a16:creationId xmlns:a16="http://schemas.microsoft.com/office/drawing/2014/main" id="{49D6C6F6-BF76-5B49-CC0C-EEC5500ED5FE}"/>
+                <a16:creationId xmlns:a16="http://schemas.microsoft.com/office/drawing/2014/main" id="{68B34574-9740-F1E1-F4AB-5D43711FACE2}"/>
               </a:ext>
             </a:extLst>
           </p:cNvPr>
@@ -910,7 +910,7 @@
           <a:bodyPr/>
           <a:lstStyle/>
           <a:p>
-            <a:fld id="{CA84A52D-1561-47E6-B507-2813538970FC}" type="slidenum">
+            <a:fld id="{250F5A91-18D1-4546-B27A-A46741E3FAA7}" type="slidenum">
               <a:rPr lang="zh-CN" altLang="en-US" smtClean="0"/>
               <a:t>‹#›</a:t>
             </a:fld>
@@ -921,7 +921,7 @@
     </p:spTree>
     <p:extLst>
       <p:ext uri="{BB962C8B-B14F-4D97-AF65-F5344CB8AC3E}">
-        <p14:creationId xmlns:p14="http://schemas.microsoft.com/office/powerpoint/2010/main" val="1790027532"/>
+        <p14:creationId xmlns:p14="http://schemas.microsoft.com/office/powerpoint/2010/main" val="2962568501"/>
       </p:ext>
     </p:extLst>
   </p:cSld>
@@ -953,7 +953,7 @@
           <p:cNvPr id="2" name="标题 1">
             <a:extLst>
               <a:ext uri="{FF2B5EF4-FFF2-40B4-BE49-F238E27FC236}">
-                <a16:creationId xmlns:a16="http://schemas.microsoft.com/office/drawing/2014/main" id="{4540FE52-C5BB-F4AF-454C-7D12AAE10218}"/>
+                <a16:creationId xmlns:a16="http://schemas.microsoft.com/office/drawing/2014/main" id="{3E40FBAB-9400-AD9A-1F40-7A51A437C68E}"/>
               </a:ext>
             </a:extLst>
           </p:cNvPr>
@@ -990,7 +990,7 @@
           <p:cNvPr id="3" name="文本占位符 2">
             <a:extLst>
               <a:ext uri="{FF2B5EF4-FFF2-40B4-BE49-F238E27FC236}">
-                <a16:creationId xmlns:a16="http://schemas.microsoft.com/office/drawing/2014/main" id="{CFB544A8-680A-9885-A063-85D8CB1BE7F7}"/>
+                <a16:creationId xmlns:a16="http://schemas.microsoft.com/office/drawing/2014/main" id="{C4986FD2-A5CD-5A8D-0158-C8003CE87EA0}"/>
               </a:ext>
             </a:extLst>
           </p:cNvPr>
@@ -1115,7 +1115,7 @@
           <p:cNvPr id="4" name="日期占位符 3">
             <a:extLst>
               <a:ext uri="{FF2B5EF4-FFF2-40B4-BE49-F238E27FC236}">
-                <a16:creationId xmlns:a16="http://schemas.microsoft.com/office/drawing/2014/main" id="{D14D99DA-D1F5-81D5-FD95-FBA9380F8970}"/>
+                <a16:creationId xmlns:a16="http://schemas.microsoft.com/office/drawing/2014/main" id="{95123787-16A1-2620-8789-D005FC0AC2A6}"/>
               </a:ext>
             </a:extLst>
           </p:cNvPr>
@@ -1131,7 +1131,7 @@
           <a:bodyPr/>
           <a:lstStyle/>
           <a:p>
-            <a:fld id="{8C72FAFD-37D2-4016-A5EC-3A70CE7025D1}" type="datetimeFigureOut">
+            <a:fld id="{1E17A120-4EBC-4B98-872C-974297016C5D}" type="datetimeFigureOut">
               <a:rPr lang="zh-CN" altLang="en-US" smtClean="0"/>
               <a:t>2024/3/10</a:t>
             </a:fld>
@@ -1144,7 +1144,7 @@
           <p:cNvPr id="5" name="页脚占位符 4">
             <a:extLst>
               <a:ext uri="{FF2B5EF4-FFF2-40B4-BE49-F238E27FC236}">
-                <a16:creationId xmlns:a16="http://schemas.microsoft.com/office/drawing/2014/main" id="{E5AC62DD-3132-A485-4020-A4FE93DF9AD1}"/>
+                <a16:creationId xmlns:a16="http://schemas.microsoft.com/office/drawing/2014/main" id="{C8116337-501E-654F-E772-9B910F29F0A0}"/>
               </a:ext>
             </a:extLst>
           </p:cNvPr>
@@ -1169,7 +1169,7 @@
           <p:cNvPr id="6" name="灯片编号占位符 5">
             <a:extLst>
               <a:ext uri="{FF2B5EF4-FFF2-40B4-BE49-F238E27FC236}">
-                <a16:creationId xmlns:a16="http://schemas.microsoft.com/office/drawing/2014/main" id="{165E8B9F-93F9-C110-20E2-214F21A57BAC}"/>
+                <a16:creationId xmlns:a16="http://schemas.microsoft.com/office/drawing/2014/main" id="{E370A041-69BA-8F09-2025-6CDBA19040A4}"/>
               </a:ext>
             </a:extLst>
           </p:cNvPr>
@@ -1185,7 +1185,7 @@
           <a:bodyPr/>
           <a:lstStyle/>
           <a:p>
-            <a:fld id="{CA84A52D-1561-47E6-B507-2813538970FC}" type="slidenum">
+            <a:fld id="{250F5A91-18D1-4546-B27A-A46741E3FAA7}" type="slidenum">
               <a:rPr lang="zh-CN" altLang="en-US" smtClean="0"/>
               <a:t>‹#›</a:t>
             </a:fld>
@@ -1196,7 +1196,7 @@
     </p:spTree>
     <p:extLst>
       <p:ext uri="{BB962C8B-B14F-4D97-AF65-F5344CB8AC3E}">
-        <p14:creationId xmlns:p14="http://schemas.microsoft.com/office/powerpoint/2010/main" val="2755063266"/>
+        <p14:creationId xmlns:p14="http://schemas.microsoft.com/office/powerpoint/2010/main" val="2335997397"/>
       </p:ext>
     </p:extLst>
   </p:cSld>
@@ -1228,7 +1228,7 @@
           <p:cNvPr id="2" name="标题 1">
             <a:extLst>
               <a:ext uri="{FF2B5EF4-FFF2-40B4-BE49-F238E27FC236}">
-                <a16:creationId xmlns:a16="http://schemas.microsoft.com/office/drawing/2014/main" id="{999D2296-BEB3-D07E-44E2-9128919B6358}"/>
+                <a16:creationId xmlns:a16="http://schemas.microsoft.com/office/drawing/2014/main" id="{DA510F73-1DF9-E7F7-BCD7-1E08EC291B21}"/>
               </a:ext>
             </a:extLst>
           </p:cNvPr>
@@ -1256,7 +1256,7 @@
           <p:cNvPr id="3" name="内容占位符 2">
             <a:extLst>
               <a:ext uri="{FF2B5EF4-FFF2-40B4-BE49-F238E27FC236}">
-                <a16:creationId xmlns:a16="http://schemas.microsoft.com/office/drawing/2014/main" id="{4CA56FEE-6917-2C8D-DF60-3F4F4F0D72B0}"/>
+                <a16:creationId xmlns:a16="http://schemas.microsoft.com/office/drawing/2014/main" id="{9978923B-E949-5D7A-FC20-D14D169ECD1D}"/>
               </a:ext>
             </a:extLst>
           </p:cNvPr>
@@ -1318,7 +1318,7 @@
           <p:cNvPr id="4" name="内容占位符 3">
             <a:extLst>
               <a:ext uri="{FF2B5EF4-FFF2-40B4-BE49-F238E27FC236}">
-                <a16:creationId xmlns:a16="http://schemas.microsoft.com/office/drawing/2014/main" id="{A568CEFF-66CE-3634-D9CE-1ADF286C1EAB}"/>
+                <a16:creationId xmlns:a16="http://schemas.microsoft.com/office/drawing/2014/main" id="{F11A7648-3A5D-0AB5-40B3-282720487140}"/>
               </a:ext>
             </a:extLst>
           </p:cNvPr>
@@ -1380,7 +1380,7 @@
           <p:cNvPr id="5" name="日期占位符 4">
             <a:extLst>
               <a:ext uri="{FF2B5EF4-FFF2-40B4-BE49-F238E27FC236}">
-                <a16:creationId xmlns:a16="http://schemas.microsoft.com/office/drawing/2014/main" id="{A29BF1C6-48BE-E44B-2498-36CE4B6DEB66}"/>
+                <a16:creationId xmlns:a16="http://schemas.microsoft.com/office/drawing/2014/main" id="{53C13688-1C9E-29E8-1043-25040051A8F1}"/>
               </a:ext>
             </a:extLst>
           </p:cNvPr>
@@ -1396,7 +1396,7 @@
           <a:bodyPr/>
           <a:lstStyle/>
           <a:p>
-            <a:fld id="{8C72FAFD-37D2-4016-A5EC-3A70CE7025D1}" type="datetimeFigureOut">
+            <a:fld id="{1E17A120-4EBC-4B98-872C-974297016C5D}" type="datetimeFigureOut">
               <a:rPr lang="zh-CN" altLang="en-US" smtClean="0"/>
               <a:t>2024/3/10</a:t>
             </a:fld>
@@ -1409,7 +1409,7 @@
           <p:cNvPr id="6" name="页脚占位符 5">
             <a:extLst>
               <a:ext uri="{FF2B5EF4-FFF2-40B4-BE49-F238E27FC236}">
-                <a16:creationId xmlns:a16="http://schemas.microsoft.com/office/drawing/2014/main" id="{12702B6B-3264-682A-2751-DCD8557822FB}"/>
+                <a16:creationId xmlns:a16="http://schemas.microsoft.com/office/drawing/2014/main" id="{EDF32E25-689F-CAEE-E150-FD266747866E}"/>
               </a:ext>
             </a:extLst>
           </p:cNvPr>
@@ -1434,7 +1434,7 @@
           <p:cNvPr id="7" name="灯片编号占位符 6">
             <a:extLst>
               <a:ext uri="{FF2B5EF4-FFF2-40B4-BE49-F238E27FC236}">
-                <a16:creationId xmlns:a16="http://schemas.microsoft.com/office/drawing/2014/main" id="{F4859B16-61CC-A0AD-678C-DEB7E72403EC}"/>
+                <a16:creationId xmlns:a16="http://schemas.microsoft.com/office/drawing/2014/main" id="{F82767ED-49BA-768C-C6EE-8B1C2D4188E5}"/>
               </a:ext>
             </a:extLst>
           </p:cNvPr>
@@ -1450,7 +1450,7 @@
           <a:bodyPr/>
           <a:lstStyle/>
           <a:p>
-            <a:fld id="{CA84A52D-1561-47E6-B507-2813538970FC}" type="slidenum">
+            <a:fld id="{250F5A91-18D1-4546-B27A-A46741E3FAA7}" type="slidenum">
               <a:rPr lang="zh-CN" altLang="en-US" smtClean="0"/>
               <a:t>‹#›</a:t>
             </a:fld>
@@ -1461,7 +1461,7 @@
     </p:spTree>
     <p:extLst>
       <p:ext uri="{BB962C8B-B14F-4D97-AF65-F5344CB8AC3E}">
-        <p14:creationId xmlns:p14="http://schemas.microsoft.com/office/powerpoint/2010/main" val="114507753"/>
+        <p14:creationId xmlns:p14="http://schemas.microsoft.com/office/powerpoint/2010/main" val="1455156440"/>
       </p:ext>
     </p:extLst>
   </p:cSld>
@@ -1493,7 +1493,7 @@
           <p:cNvPr id="2" name="标题 1">
             <a:extLst>
               <a:ext uri="{FF2B5EF4-FFF2-40B4-BE49-F238E27FC236}">
-                <a16:creationId xmlns:a16="http://schemas.microsoft.com/office/drawing/2014/main" id="{AC950674-1818-2652-09FF-114EB1A6AD24}"/>
+                <a16:creationId xmlns:a16="http://schemas.microsoft.com/office/drawing/2014/main" id="{1FD5643D-0C3A-235D-1A4D-73418D920475}"/>
               </a:ext>
             </a:extLst>
           </p:cNvPr>
@@ -1526,7 +1526,7 @@
           <p:cNvPr id="3" name="文本占位符 2">
             <a:extLst>
               <a:ext uri="{FF2B5EF4-FFF2-40B4-BE49-F238E27FC236}">
-                <a16:creationId xmlns:a16="http://schemas.microsoft.com/office/drawing/2014/main" id="{E81E5C5C-9AAC-B844-0530-CB024FA0C818}"/>
+                <a16:creationId xmlns:a16="http://schemas.microsoft.com/office/drawing/2014/main" id="{081D73AF-C3E0-7295-F99D-1892B00F27F1}"/>
               </a:ext>
             </a:extLst>
           </p:cNvPr>
@@ -1597,7 +1597,7 @@
           <p:cNvPr id="4" name="内容占位符 3">
             <a:extLst>
               <a:ext uri="{FF2B5EF4-FFF2-40B4-BE49-F238E27FC236}">
-                <a16:creationId xmlns:a16="http://schemas.microsoft.com/office/drawing/2014/main" id="{627FBE87-DAD3-FD0E-A8FB-1EBCDE2CA303}"/>
+                <a16:creationId xmlns:a16="http://schemas.microsoft.com/office/drawing/2014/main" id="{08B18AC0-1907-B36E-3CEE-6AC52F533C6D}"/>
               </a:ext>
             </a:extLst>
           </p:cNvPr>
@@ -1659,7 +1659,7 @@
           <p:cNvPr id="5" name="文本占位符 4">
             <a:extLst>
               <a:ext uri="{FF2B5EF4-FFF2-40B4-BE49-F238E27FC236}">
-                <a16:creationId xmlns:a16="http://schemas.microsoft.com/office/drawing/2014/main" id="{6E31C1B9-D76F-DD1A-1528-0EDA21ED1FE3}"/>
+                <a16:creationId xmlns:a16="http://schemas.microsoft.com/office/drawing/2014/main" id="{85B3AACC-6158-3E02-F7AD-C2E12D528B1B}"/>
               </a:ext>
             </a:extLst>
           </p:cNvPr>
@@ -1730,7 +1730,7 @@
           <p:cNvPr id="6" name="内容占位符 5">
             <a:extLst>
               <a:ext uri="{FF2B5EF4-FFF2-40B4-BE49-F238E27FC236}">
-                <a16:creationId xmlns:a16="http://schemas.microsoft.com/office/drawing/2014/main" id="{FBB067E3-C9C9-A7A4-5C8C-9DAC34303882}"/>
+                <a16:creationId xmlns:a16="http://schemas.microsoft.com/office/drawing/2014/main" id="{1B26AF72-02E3-351C-06D2-994DD2AC4E6E}"/>
               </a:ext>
             </a:extLst>
           </p:cNvPr>
@@ -1792,7 +1792,7 @@
           <p:cNvPr id="7" name="日期占位符 6">
             <a:extLst>
               <a:ext uri="{FF2B5EF4-FFF2-40B4-BE49-F238E27FC236}">
-                <a16:creationId xmlns:a16="http://schemas.microsoft.com/office/drawing/2014/main" id="{D3436B2E-9F52-4C44-FA4A-E37129B3A74A}"/>
+                <a16:creationId xmlns:a16="http://schemas.microsoft.com/office/drawing/2014/main" id="{82DBC9BB-92AA-F19B-CE4B-1640A83CA3F7}"/>
               </a:ext>
             </a:extLst>
           </p:cNvPr>
@@ -1808,7 +1808,7 @@
           <a:bodyPr/>
           <a:lstStyle/>
           <a:p>
-            <a:fld id="{8C72FAFD-37D2-4016-A5EC-3A70CE7025D1}" type="datetimeFigureOut">
+            <a:fld id="{1E17A120-4EBC-4B98-872C-974297016C5D}" type="datetimeFigureOut">
               <a:rPr lang="zh-CN" altLang="en-US" smtClean="0"/>
               <a:t>2024/3/10</a:t>
             </a:fld>
@@ -1821,7 +1821,7 @@
           <p:cNvPr id="8" name="页脚占位符 7">
             <a:extLst>
               <a:ext uri="{FF2B5EF4-FFF2-40B4-BE49-F238E27FC236}">
-                <a16:creationId xmlns:a16="http://schemas.microsoft.com/office/drawing/2014/main" id="{88FF2904-E292-BD39-88BB-198EC65A8C0D}"/>
+                <a16:creationId xmlns:a16="http://schemas.microsoft.com/office/drawing/2014/main" id="{C3C38797-C2FD-1298-E8DC-03A7D7697509}"/>
               </a:ext>
             </a:extLst>
           </p:cNvPr>
@@ -1846,7 +1846,7 @@
           <p:cNvPr id="9" name="灯片编号占位符 8">
             <a:extLst>
               <a:ext uri="{FF2B5EF4-FFF2-40B4-BE49-F238E27FC236}">
-                <a16:creationId xmlns:a16="http://schemas.microsoft.com/office/drawing/2014/main" id="{429D32B3-3177-E2E9-1E46-BB5B4CE66C03}"/>
+                <a16:creationId xmlns:a16="http://schemas.microsoft.com/office/drawing/2014/main" id="{2BEB94D3-1604-2C58-B106-0C1E995EBE0E}"/>
               </a:ext>
             </a:extLst>
           </p:cNvPr>
@@ -1862,7 +1862,7 @@
           <a:bodyPr/>
           <a:lstStyle/>
           <a:p>
-            <a:fld id="{CA84A52D-1561-47E6-B507-2813538970FC}" type="slidenum">
+            <a:fld id="{250F5A91-18D1-4546-B27A-A46741E3FAA7}" type="slidenum">
               <a:rPr lang="zh-CN" altLang="en-US" smtClean="0"/>
               <a:t>‹#›</a:t>
             </a:fld>
@@ -1873,7 +1873,7 @@
     </p:spTree>
     <p:extLst>
       <p:ext uri="{BB962C8B-B14F-4D97-AF65-F5344CB8AC3E}">
-        <p14:creationId xmlns:p14="http://schemas.microsoft.com/office/powerpoint/2010/main" val="1752795430"/>
+        <p14:creationId xmlns:p14="http://schemas.microsoft.com/office/powerpoint/2010/main" val="325853017"/>
       </p:ext>
     </p:extLst>
   </p:cSld>
@@ -1905,7 +1905,7 @@
           <p:cNvPr id="2" name="标题 1">
             <a:extLst>
               <a:ext uri="{FF2B5EF4-FFF2-40B4-BE49-F238E27FC236}">
-                <a16:creationId xmlns:a16="http://schemas.microsoft.com/office/drawing/2014/main" id="{3F851AC1-2AA0-76CF-6C59-154B5DCE5306}"/>
+                <a16:creationId xmlns:a16="http://schemas.microsoft.com/office/drawing/2014/main" id="{F110F77B-62D1-0575-E831-35566F642E44}"/>
               </a:ext>
             </a:extLst>
           </p:cNvPr>
@@ -1933,7 +1933,7 @@
           <p:cNvPr id="3" name="日期占位符 2">
             <a:extLst>
               <a:ext uri="{FF2B5EF4-FFF2-40B4-BE49-F238E27FC236}">
-                <a16:creationId xmlns:a16="http://schemas.microsoft.com/office/drawing/2014/main" id="{4DB448CA-7BF5-765B-FE5F-53FA2C3519A3}"/>
+                <a16:creationId xmlns:a16="http://schemas.microsoft.com/office/drawing/2014/main" id="{91C03B90-69BD-DC8E-82A0-F773A70363EE}"/>
               </a:ext>
             </a:extLst>
           </p:cNvPr>
@@ -1949,7 +1949,7 @@
           <a:bodyPr/>
           <a:lstStyle/>
           <a:p>
-            <a:fld id="{8C72FAFD-37D2-4016-A5EC-3A70CE7025D1}" type="datetimeFigureOut">
+            <a:fld id="{1E17A120-4EBC-4B98-872C-974297016C5D}" type="datetimeFigureOut">
               <a:rPr lang="zh-CN" altLang="en-US" smtClean="0"/>
               <a:t>2024/3/10</a:t>
             </a:fld>
@@ -1962,7 +1962,7 @@
           <p:cNvPr id="4" name="页脚占位符 3">
             <a:extLst>
               <a:ext uri="{FF2B5EF4-FFF2-40B4-BE49-F238E27FC236}">
-                <a16:creationId xmlns:a16="http://schemas.microsoft.com/office/drawing/2014/main" id="{B926AE23-6A26-A591-1B72-23F66B32561B}"/>
+                <a16:creationId xmlns:a16="http://schemas.microsoft.com/office/drawing/2014/main" id="{6C12022E-FA01-C9F2-876E-3D66B75E8001}"/>
               </a:ext>
             </a:extLst>
           </p:cNvPr>
@@ -1987,7 +1987,7 @@
           <p:cNvPr id="5" name="灯片编号占位符 4">
             <a:extLst>
               <a:ext uri="{FF2B5EF4-FFF2-40B4-BE49-F238E27FC236}">
-                <a16:creationId xmlns:a16="http://schemas.microsoft.com/office/drawing/2014/main" id="{0AD672CE-8D9B-E1E0-B0D9-96AE705A175C}"/>
+                <a16:creationId xmlns:a16="http://schemas.microsoft.com/office/drawing/2014/main" id="{99D1645C-D822-FEA0-A742-32ADFE3F91D2}"/>
               </a:ext>
             </a:extLst>
           </p:cNvPr>
@@ -2003,7 +2003,7 @@
           <a:bodyPr/>
           <a:lstStyle/>
           <a:p>
-            <a:fld id="{CA84A52D-1561-47E6-B507-2813538970FC}" type="slidenum">
+            <a:fld id="{250F5A91-18D1-4546-B27A-A46741E3FAA7}" type="slidenum">
               <a:rPr lang="zh-CN" altLang="en-US" smtClean="0"/>
               <a:t>‹#›</a:t>
             </a:fld>
@@ -2014,7 +2014,7 @@
     </p:spTree>
     <p:extLst>
       <p:ext uri="{BB962C8B-B14F-4D97-AF65-F5344CB8AC3E}">
-        <p14:creationId xmlns:p14="http://schemas.microsoft.com/office/powerpoint/2010/main" val="1624732920"/>
+        <p14:creationId xmlns:p14="http://schemas.microsoft.com/office/powerpoint/2010/main" val="4169468541"/>
       </p:ext>
     </p:extLst>
   </p:cSld>
@@ -2046,7 +2046,7 @@
           <p:cNvPr id="2" name="日期占位符 1">
             <a:extLst>
               <a:ext uri="{FF2B5EF4-FFF2-40B4-BE49-F238E27FC236}">
-                <a16:creationId xmlns:a16="http://schemas.microsoft.com/office/drawing/2014/main" id="{60B27DAC-12FF-79AE-A675-4E6173C8F09B}"/>
+                <a16:creationId xmlns:a16="http://schemas.microsoft.com/office/drawing/2014/main" id="{9949D840-0389-FCBC-C31C-324F252B8739}"/>
               </a:ext>
             </a:extLst>
           </p:cNvPr>
@@ -2062,7 +2062,7 @@
           <a:bodyPr/>
           <a:lstStyle/>
           <a:p>
-            <a:fld id="{8C72FAFD-37D2-4016-A5EC-3A70CE7025D1}" type="datetimeFigureOut">
+            <a:fld id="{1E17A120-4EBC-4B98-872C-974297016C5D}" type="datetimeFigureOut">
               <a:rPr lang="zh-CN" altLang="en-US" smtClean="0"/>
               <a:t>2024/3/10</a:t>
             </a:fld>
@@ -2075,7 +2075,7 @@
           <p:cNvPr id="3" name="页脚占位符 2">
             <a:extLst>
               <a:ext uri="{FF2B5EF4-FFF2-40B4-BE49-F238E27FC236}">
-                <a16:creationId xmlns:a16="http://schemas.microsoft.com/office/drawing/2014/main" id="{0AFE45B3-228B-ED97-ADCF-06093F67C950}"/>
+                <a16:creationId xmlns:a16="http://schemas.microsoft.com/office/drawing/2014/main" id="{4ADF7A1E-7F95-B2F5-4E35-4D7ED65CC622}"/>
               </a:ext>
             </a:extLst>
           </p:cNvPr>
@@ -2100,7 +2100,7 @@
           <p:cNvPr id="4" name="灯片编号占位符 3">
             <a:extLst>
               <a:ext uri="{FF2B5EF4-FFF2-40B4-BE49-F238E27FC236}">
-                <a16:creationId xmlns:a16="http://schemas.microsoft.com/office/drawing/2014/main" id="{51A961E8-BE00-0979-F608-7D9B1CB7276B}"/>
+                <a16:creationId xmlns:a16="http://schemas.microsoft.com/office/drawing/2014/main" id="{3FBE0BBE-68EF-3388-995E-A964F2CEFB0C}"/>
               </a:ext>
             </a:extLst>
           </p:cNvPr>
@@ -2116,7 +2116,7 @@
           <a:bodyPr/>
           <a:lstStyle/>
           <a:p>
-            <a:fld id="{CA84A52D-1561-47E6-B507-2813538970FC}" type="slidenum">
+            <a:fld id="{250F5A91-18D1-4546-B27A-A46741E3FAA7}" type="slidenum">
               <a:rPr lang="zh-CN" altLang="en-US" smtClean="0"/>
               <a:t>‹#›</a:t>
             </a:fld>
@@ -2127,7 +2127,7 @@
     </p:spTree>
     <p:extLst>
       <p:ext uri="{BB962C8B-B14F-4D97-AF65-F5344CB8AC3E}">
-        <p14:creationId xmlns:p14="http://schemas.microsoft.com/office/powerpoint/2010/main" val="1845900136"/>
+        <p14:creationId xmlns:p14="http://schemas.microsoft.com/office/powerpoint/2010/main" val="3121504854"/>
       </p:ext>
     </p:extLst>
   </p:cSld>
@@ -2159,7 +2159,7 @@
           <p:cNvPr id="2" name="标题 1">
             <a:extLst>
               <a:ext uri="{FF2B5EF4-FFF2-40B4-BE49-F238E27FC236}">
-                <a16:creationId xmlns:a16="http://schemas.microsoft.com/office/drawing/2014/main" id="{0860EF3C-2D87-7F63-2FA0-89CB4DD7AA9F}"/>
+                <a16:creationId xmlns:a16="http://schemas.microsoft.com/office/drawing/2014/main" id="{9D83E012-8E98-C9E0-72E1-048F4E27C6AC}"/>
               </a:ext>
             </a:extLst>
           </p:cNvPr>
@@ -2196,7 +2196,7 @@
           <p:cNvPr id="3" name="内容占位符 2">
             <a:extLst>
               <a:ext uri="{FF2B5EF4-FFF2-40B4-BE49-F238E27FC236}">
-                <a16:creationId xmlns:a16="http://schemas.microsoft.com/office/drawing/2014/main" id="{37251218-FA6E-7FE9-E96E-85152E649714}"/>
+                <a16:creationId xmlns:a16="http://schemas.microsoft.com/office/drawing/2014/main" id="{AF76104D-AD42-C644-0C7D-8EB656538AFA}"/>
               </a:ext>
             </a:extLst>
           </p:cNvPr>
@@ -2286,7 +2286,7 @@
           <p:cNvPr id="4" name="文本占位符 3">
             <a:extLst>
               <a:ext uri="{FF2B5EF4-FFF2-40B4-BE49-F238E27FC236}">
-                <a16:creationId xmlns:a16="http://schemas.microsoft.com/office/drawing/2014/main" id="{C96ECE3D-F165-5F57-E7B4-0700E4DB0C8A}"/>
+                <a16:creationId xmlns:a16="http://schemas.microsoft.com/office/drawing/2014/main" id="{CEC7D816-B93F-F74B-02C8-66966FCE4D5F}"/>
               </a:ext>
             </a:extLst>
           </p:cNvPr>
@@ -2357,7 +2357,7 @@
           <p:cNvPr id="5" name="日期占位符 4">
             <a:extLst>
               <a:ext uri="{FF2B5EF4-FFF2-40B4-BE49-F238E27FC236}">
-                <a16:creationId xmlns:a16="http://schemas.microsoft.com/office/drawing/2014/main" id="{2EC19856-AC3D-3E80-E2E6-6D0761CF8458}"/>
+                <a16:creationId xmlns:a16="http://schemas.microsoft.com/office/drawing/2014/main" id="{A3DFCCE8-CAB8-598F-93FC-6B77E054E2B6}"/>
               </a:ext>
             </a:extLst>
           </p:cNvPr>
@@ -2373,7 +2373,7 @@
           <a:bodyPr/>
           <a:lstStyle/>
           <a:p>
-            <a:fld id="{8C72FAFD-37D2-4016-A5EC-3A70CE7025D1}" type="datetimeFigureOut">
+            <a:fld id="{1E17A120-4EBC-4B98-872C-974297016C5D}" type="datetimeFigureOut">
               <a:rPr lang="zh-CN" altLang="en-US" smtClean="0"/>
               <a:t>2024/3/10</a:t>
             </a:fld>
@@ -2386,7 +2386,7 @@
           <p:cNvPr id="6" name="页脚占位符 5">
             <a:extLst>
               <a:ext uri="{FF2B5EF4-FFF2-40B4-BE49-F238E27FC236}">
-                <a16:creationId xmlns:a16="http://schemas.microsoft.com/office/drawing/2014/main" id="{46241A48-DE21-EA8A-3FF2-45224E36D730}"/>
+                <a16:creationId xmlns:a16="http://schemas.microsoft.com/office/drawing/2014/main" id="{8A97FFF8-701E-C1ED-B100-2BA4ED3E5ED7}"/>
               </a:ext>
             </a:extLst>
           </p:cNvPr>
@@ -2411,7 +2411,7 @@
           <p:cNvPr id="7" name="灯片编号占位符 6">
             <a:extLst>
               <a:ext uri="{FF2B5EF4-FFF2-40B4-BE49-F238E27FC236}">
-                <a16:creationId xmlns:a16="http://schemas.microsoft.com/office/drawing/2014/main" id="{EBD6D222-A52D-B63D-B342-9CFE46C74250}"/>
+                <a16:creationId xmlns:a16="http://schemas.microsoft.com/office/drawing/2014/main" id="{E4302DEA-DF0E-CB41-2AE6-BCF74BC98F1B}"/>
               </a:ext>
             </a:extLst>
           </p:cNvPr>
@@ -2427,7 +2427,7 @@
           <a:bodyPr/>
           <a:lstStyle/>
           <a:p>
-            <a:fld id="{CA84A52D-1561-47E6-B507-2813538970FC}" type="slidenum">
+            <a:fld id="{250F5A91-18D1-4546-B27A-A46741E3FAA7}" type="slidenum">
               <a:rPr lang="zh-CN" altLang="en-US" smtClean="0"/>
               <a:t>‹#›</a:t>
             </a:fld>
@@ -2438,7 +2438,7 @@
     </p:spTree>
     <p:extLst>
       <p:ext uri="{BB962C8B-B14F-4D97-AF65-F5344CB8AC3E}">
-        <p14:creationId xmlns:p14="http://schemas.microsoft.com/office/powerpoint/2010/main" val="1622556981"/>
+        <p14:creationId xmlns:p14="http://schemas.microsoft.com/office/powerpoint/2010/main" val="1036429752"/>
       </p:ext>
     </p:extLst>
   </p:cSld>
@@ -2470,7 +2470,7 @@
           <p:cNvPr id="2" name="标题 1">
             <a:extLst>
               <a:ext uri="{FF2B5EF4-FFF2-40B4-BE49-F238E27FC236}">
-                <a16:creationId xmlns:a16="http://schemas.microsoft.com/office/drawing/2014/main" id="{E13F2FEA-5502-97B9-DFDE-3B9249E52413}"/>
+                <a16:creationId xmlns:a16="http://schemas.microsoft.com/office/drawing/2014/main" id="{43D1A969-F68C-BD4D-CF46-A4772DEB74DF}"/>
               </a:ext>
             </a:extLst>
           </p:cNvPr>
@@ -2507,7 +2507,7 @@
           <p:cNvPr id="3" name="图片占位符 2">
             <a:extLst>
               <a:ext uri="{FF2B5EF4-FFF2-40B4-BE49-F238E27FC236}">
-                <a16:creationId xmlns:a16="http://schemas.microsoft.com/office/drawing/2014/main" id="{90CBB619-A626-6BF9-9B9D-FEF2D7459FD9}"/>
+                <a16:creationId xmlns:a16="http://schemas.microsoft.com/office/drawing/2014/main" id="{5D80F2FE-587D-9725-F011-0119088CD6D9}"/>
               </a:ext>
             </a:extLst>
           </p:cNvPr>
@@ -2574,7 +2574,7 @@
           <p:cNvPr id="4" name="文本占位符 3">
             <a:extLst>
               <a:ext uri="{FF2B5EF4-FFF2-40B4-BE49-F238E27FC236}">
-                <a16:creationId xmlns:a16="http://schemas.microsoft.com/office/drawing/2014/main" id="{10D95A1B-243C-83D5-3C6C-42B216BC0C73}"/>
+                <a16:creationId xmlns:a16="http://schemas.microsoft.com/office/drawing/2014/main" id="{2677DCE3-50A8-7989-387B-FFCC78F5FC38}"/>
               </a:ext>
             </a:extLst>
           </p:cNvPr>
@@ -2645,7 +2645,7 @@
           <p:cNvPr id="5" name="日期占位符 4">
             <a:extLst>
               <a:ext uri="{FF2B5EF4-FFF2-40B4-BE49-F238E27FC236}">
-                <a16:creationId xmlns:a16="http://schemas.microsoft.com/office/drawing/2014/main" id="{125356CE-52F0-BD01-D2EF-6CAB9B38F308}"/>
+                <a16:creationId xmlns:a16="http://schemas.microsoft.com/office/drawing/2014/main" id="{5FAEA287-B674-7CB9-5E6A-3C431CA8072C}"/>
               </a:ext>
             </a:extLst>
           </p:cNvPr>
@@ -2661,7 +2661,7 @@
           <a:bodyPr/>
           <a:lstStyle/>
           <a:p>
-            <a:fld id="{8C72FAFD-37D2-4016-A5EC-3A70CE7025D1}" type="datetimeFigureOut">
+            <a:fld id="{1E17A120-4EBC-4B98-872C-974297016C5D}" type="datetimeFigureOut">
               <a:rPr lang="zh-CN" altLang="en-US" smtClean="0"/>
               <a:t>2024/3/10</a:t>
             </a:fld>
@@ -2674,7 +2674,7 @@
           <p:cNvPr id="6" name="页脚占位符 5">
             <a:extLst>
               <a:ext uri="{FF2B5EF4-FFF2-40B4-BE49-F238E27FC236}">
-                <a16:creationId xmlns:a16="http://schemas.microsoft.com/office/drawing/2014/main" id="{3D3A5471-2FEB-859A-EA31-EF87345F2819}"/>
+                <a16:creationId xmlns:a16="http://schemas.microsoft.com/office/drawing/2014/main" id="{52A504C3-8A26-6A60-99D7-630EFFDC5189}"/>
               </a:ext>
             </a:extLst>
           </p:cNvPr>
@@ -2699,7 +2699,7 @@
           <p:cNvPr id="7" name="灯片编号占位符 6">
             <a:extLst>
               <a:ext uri="{FF2B5EF4-FFF2-40B4-BE49-F238E27FC236}">
-                <a16:creationId xmlns:a16="http://schemas.microsoft.com/office/drawing/2014/main" id="{531BE097-C94B-1750-AD2E-1F73800381DF}"/>
+                <a16:creationId xmlns:a16="http://schemas.microsoft.com/office/drawing/2014/main" id="{26CB5C4D-181A-4806-2DC9-97C368FB7966}"/>
               </a:ext>
             </a:extLst>
           </p:cNvPr>
@@ -2715,7 +2715,7 @@
           <a:bodyPr/>
           <a:lstStyle/>
           <a:p>
-            <a:fld id="{CA84A52D-1561-47E6-B507-2813538970FC}" type="slidenum">
+            <a:fld id="{250F5A91-18D1-4546-B27A-A46741E3FAA7}" type="slidenum">
               <a:rPr lang="zh-CN" altLang="en-US" smtClean="0"/>
               <a:t>‹#›</a:t>
             </a:fld>
@@ -2726,7 +2726,7 @@
     </p:spTree>
     <p:extLst>
       <p:ext uri="{BB962C8B-B14F-4D97-AF65-F5344CB8AC3E}">
-        <p14:creationId xmlns:p14="http://schemas.microsoft.com/office/powerpoint/2010/main" val="1840593876"/>
+        <p14:creationId xmlns:p14="http://schemas.microsoft.com/office/powerpoint/2010/main" val="1986002375"/>
       </p:ext>
     </p:extLst>
   </p:cSld>
@@ -2763,7 +2763,7 @@
           <p:cNvPr id="2" name="标题占位符 1">
             <a:extLst>
               <a:ext uri="{FF2B5EF4-FFF2-40B4-BE49-F238E27FC236}">
-                <a16:creationId xmlns:a16="http://schemas.microsoft.com/office/drawing/2014/main" id="{30E5A311-0318-5BDD-8B5D-311EF9D7F373}"/>
+                <a16:creationId xmlns:a16="http://schemas.microsoft.com/office/drawing/2014/main" id="{B802A0CF-CFAC-167B-4FC3-098A838A6619}"/>
               </a:ext>
             </a:extLst>
           </p:cNvPr>
@@ -2801,7 +2801,7 @@
           <p:cNvPr id="3" name="文本占位符 2">
             <a:extLst>
               <a:ext uri="{FF2B5EF4-FFF2-40B4-BE49-F238E27FC236}">
-                <a16:creationId xmlns:a16="http://schemas.microsoft.com/office/drawing/2014/main" id="{A622B9E4-224E-559C-80E3-3791FA10AC03}"/>
+                <a16:creationId xmlns:a16="http://schemas.microsoft.com/office/drawing/2014/main" id="{C64223F0-75C0-D8F9-6E17-BF60A3935B31}"/>
               </a:ext>
             </a:extLst>
           </p:cNvPr>
@@ -2868,7 +2868,7 @@
           <p:cNvPr id="4" name="日期占位符 3">
             <a:extLst>
               <a:ext uri="{FF2B5EF4-FFF2-40B4-BE49-F238E27FC236}">
-                <a16:creationId xmlns:a16="http://schemas.microsoft.com/office/drawing/2014/main" id="{D085FF0C-1488-03B9-3769-4718BD2EFF4C}"/>
+                <a16:creationId xmlns:a16="http://schemas.microsoft.com/office/drawing/2014/main" id="{D70A0AB3-CA0E-833D-9ECC-81A5D1546154}"/>
               </a:ext>
             </a:extLst>
           </p:cNvPr>
@@ -2902,7 +2902,7 @@
             </a:lvl1pPr>
           </a:lstStyle>
           <a:p>
-            <a:fld id="{8C72FAFD-37D2-4016-A5EC-3A70CE7025D1}" type="datetimeFigureOut">
+            <a:fld id="{1E17A120-4EBC-4B98-872C-974297016C5D}" type="datetimeFigureOut">
               <a:rPr lang="zh-CN" altLang="en-US" smtClean="0"/>
               <a:t>2024/3/10</a:t>
             </a:fld>
@@ -2915,7 +2915,7 @@
           <p:cNvPr id="5" name="页脚占位符 4">
             <a:extLst>
               <a:ext uri="{FF2B5EF4-FFF2-40B4-BE49-F238E27FC236}">
-                <a16:creationId xmlns:a16="http://schemas.microsoft.com/office/drawing/2014/main" id="{C39D1E5E-4F85-817C-2A9D-B499C9DCECE0}"/>
+                <a16:creationId xmlns:a16="http://schemas.microsoft.com/office/drawing/2014/main" id="{7756421E-169F-6D4B-6368-E5977F4413A3}"/>
               </a:ext>
             </a:extLst>
           </p:cNvPr>
@@ -2958,7 +2958,7 @@
           <p:cNvPr id="6" name="灯片编号占位符 5">
             <a:extLst>
               <a:ext uri="{FF2B5EF4-FFF2-40B4-BE49-F238E27FC236}">
-                <a16:creationId xmlns:a16="http://schemas.microsoft.com/office/drawing/2014/main" id="{A58CC809-6FDE-CB40-737C-1A9E19292996}"/>
+                <a16:creationId xmlns:a16="http://schemas.microsoft.com/office/drawing/2014/main" id="{6E6CAD9D-ABAC-0C3F-F1A2-FD6BDEE7218E}"/>
               </a:ext>
             </a:extLst>
           </p:cNvPr>
@@ -2992,7 +2992,7 @@
             </a:lvl1pPr>
           </a:lstStyle>
           <a:p>
-            <a:fld id="{CA84A52D-1561-47E6-B507-2813538970FC}" type="slidenum">
+            <a:fld id="{250F5A91-18D1-4546-B27A-A46741E3FAA7}" type="slidenum">
               <a:rPr lang="zh-CN" altLang="en-US" smtClean="0"/>
               <a:t>‹#›</a:t>
             </a:fld>
@@ -3003,7 +3003,7 @@
     </p:spTree>
     <p:extLst>
       <p:ext uri="{BB962C8B-B14F-4D97-AF65-F5344CB8AC3E}">
-        <p14:creationId xmlns:p14="http://schemas.microsoft.com/office/powerpoint/2010/main" val="3837737923"/>
+        <p14:creationId xmlns:p14="http://schemas.microsoft.com/office/powerpoint/2010/main" val="3472947221"/>
       </p:ext>
     </p:extLst>
   </p:cSld>
